--- a/Ressourcen/Beispielfolien/PPOC_modul_00.pptx
+++ b/Ressourcen/Beispielfolien/PPOC_modul_00.pptx
@@ -215,7 +215,7 @@
           <a:p>
             <a:fld id="{876919E9-4914-4892-83BF-6B1B8AEE0A42}" type="datetimeFigureOut">
               <a:rPr lang="de-DE" smtClean="0"/>
-              <a:t>06.03.2017</a:t>
+              <a:t>02.01.2019</a:t>
             </a:fld>
             <a:endParaRPr lang="de-DE"/>
           </a:p>
@@ -8463,6 +8463,15 @@
 </file>
 
 <file path=customXml/item1.xml><?xml version="1.0" encoding="utf-8"?>
+<?mso-contentType ?>
+<FormTemplates xmlns="http://schemas.microsoft.com/sharepoint/v3/contenttype/forms">
+  <Display>DocumentLibraryForm</Display>
+  <Edit>DocumentLibraryForm</Edit>
+  <New>DocumentLibraryForm</New>
+</FormTemplates>
+</file>
+
+<file path=customXml/item2.xml><?xml version="1.0" encoding="utf-8"?>
 <ct:contentTypeSchema xmlns:ct="http://schemas.microsoft.com/office/2006/metadata/contentType" xmlns:ma="http://schemas.microsoft.com/office/2006/metadata/properties/metaAttributes" ct:_="" ma:_="" ma:contentTypeName="Dokument" ma:contentTypeID="0x010100571BC3F694BAE14F9396E94E67488B05" ma:contentTypeVersion="0" ma:contentTypeDescription="Ein neues Dokument erstellen." ma:contentTypeScope="" ma:versionID="f29c0cf1af6c14012457d18347cc5ab0">
   <xsd:schema xmlns:xsd="http://www.w3.org/2001/XMLSchema" xmlns:xs="http://www.w3.org/2001/XMLSchema" xmlns:p="http://schemas.microsoft.com/office/2006/metadata/properties" targetNamespace="http://schemas.microsoft.com/office/2006/metadata/properties" ma:root="true" ma:fieldsID="b4f5dc90cf06628c3b90945c8266c24d">
     <xsd:element name="properties">
@@ -8576,15 +8585,6 @@
 </ct:contentTypeSchema>
 </file>
 
-<file path=customXml/item2.xml><?xml version="1.0" encoding="utf-8"?>
-<?mso-contentType ?>
-<FormTemplates xmlns="http://schemas.microsoft.com/sharepoint/v3/contenttype/forms">
-  <Display>DocumentLibraryForm</Display>
-  <Edit>DocumentLibraryForm</Edit>
-  <New>DocumentLibraryForm</New>
-</FormTemplates>
-</file>
-
 <file path=customXml/item3.xml><?xml version="1.0" encoding="utf-8"?>
 <p:properties xmlns:p="http://schemas.microsoft.com/office/2006/metadata/properties" xmlns:xsi="http://www.w3.org/2001/XMLSchema-instance" xmlns:pc="http://schemas.microsoft.com/office/infopath/2007/PartnerControls">
   <documentManagement/>
@@ -8592,6 +8592,14 @@
 </file>
 
 <file path=customXml/itemProps1.xml><?xml version="1.0" encoding="utf-8"?>
+<ds:datastoreItem xmlns:ds="http://schemas.openxmlformats.org/officeDocument/2006/customXml" ds:itemID="{F3E6F826-4F57-4606-9DB6-7D008AB645F7}">
+  <ds:schemaRefs>
+    <ds:schemaRef ds:uri="http://schemas.microsoft.com/sharepoint/v3/contenttype/forms"/>
+  </ds:schemaRefs>
+</ds:datastoreItem>
+</file>
+
+<file path=customXml/itemProps2.xml><?xml version="1.0" encoding="utf-8"?>
 <ds:datastoreItem xmlns:ds="http://schemas.openxmlformats.org/officeDocument/2006/customXml" ds:itemID="{E00F40FA-B26B-4C6D-BDC8-B66BCAA8C655}">
   <ds:schemaRefs>
     <ds:schemaRef ds:uri="http://schemas.microsoft.com/office/2006/metadata/contentType"/>
@@ -8603,14 +8611,6 @@
     <ds:schemaRef ds:uri="http://purl.org/dc/terms/"/>
     <ds:schemaRef ds:uri="http://schemas.microsoft.com/internal/obd"/>
     <ds:schemaRef ds:uri="http://schemas.microsoft.com/office/infopath/2007/PartnerControls"/>
-  </ds:schemaRefs>
-</ds:datastoreItem>
-</file>
-
-<file path=customXml/itemProps2.xml><?xml version="1.0" encoding="utf-8"?>
-<ds:datastoreItem xmlns:ds="http://schemas.openxmlformats.org/officeDocument/2006/customXml" ds:itemID="{F3E6F826-4F57-4606-9DB6-7D008AB645F7}">
-  <ds:schemaRefs>
-    <ds:schemaRef ds:uri="http://schemas.microsoft.com/sharepoint/v3/contenttype/forms"/>
   </ds:schemaRefs>
 </ds:datastoreItem>
 </file>
